--- a/docs/Flow-E Slide.pptx
+++ b/docs/Flow-E Slide.pptx
@@ -2990,7 +2990,7 @@
           <a:p>
             <a:fld id="{F6C40BAB-4BBE-487A-B4EA-F7AA89592A7F}" type="datetimeFigureOut">
               <a:rPr lang="pt-BR" smtClean="0"/>
-              <a:t>30/09/2024</a:t>
+              <a:t>01/10/2024</a:t>
             </a:fld>
             <a:endParaRPr lang="pt-BR"/>
           </a:p>
@@ -3188,7 +3188,7 @@
           <a:p>
             <a:fld id="{F6C40BAB-4BBE-487A-B4EA-F7AA89592A7F}" type="datetimeFigureOut">
               <a:rPr lang="pt-BR" smtClean="0"/>
-              <a:t>30/09/2024</a:t>
+              <a:t>01/10/2024</a:t>
             </a:fld>
             <a:endParaRPr lang="pt-BR"/>
           </a:p>
@@ -3396,7 +3396,7 @@
           <a:p>
             <a:fld id="{F6C40BAB-4BBE-487A-B4EA-F7AA89592A7F}" type="datetimeFigureOut">
               <a:rPr lang="pt-BR" smtClean="0"/>
-              <a:t>30/09/2024</a:t>
+              <a:t>01/10/2024</a:t>
             </a:fld>
             <a:endParaRPr lang="pt-BR"/>
           </a:p>
@@ -3594,7 +3594,7 @@
           <a:p>
             <a:fld id="{F6C40BAB-4BBE-487A-B4EA-F7AA89592A7F}" type="datetimeFigureOut">
               <a:rPr lang="pt-BR" smtClean="0"/>
-              <a:t>30/09/2024</a:t>
+              <a:t>01/10/2024</a:t>
             </a:fld>
             <a:endParaRPr lang="pt-BR"/>
           </a:p>
@@ -3869,7 +3869,7 @@
           <a:p>
             <a:fld id="{F6C40BAB-4BBE-487A-B4EA-F7AA89592A7F}" type="datetimeFigureOut">
               <a:rPr lang="pt-BR" smtClean="0"/>
-              <a:t>30/09/2024</a:t>
+              <a:t>01/10/2024</a:t>
             </a:fld>
             <a:endParaRPr lang="pt-BR"/>
           </a:p>
@@ -4134,7 +4134,7 @@
           <a:p>
             <a:fld id="{F6C40BAB-4BBE-487A-B4EA-F7AA89592A7F}" type="datetimeFigureOut">
               <a:rPr lang="pt-BR" smtClean="0"/>
-              <a:t>30/09/2024</a:t>
+              <a:t>01/10/2024</a:t>
             </a:fld>
             <a:endParaRPr lang="pt-BR"/>
           </a:p>
@@ -4546,7 +4546,7 @@
           <a:p>
             <a:fld id="{F6C40BAB-4BBE-487A-B4EA-F7AA89592A7F}" type="datetimeFigureOut">
               <a:rPr lang="pt-BR" smtClean="0"/>
-              <a:t>30/09/2024</a:t>
+              <a:t>01/10/2024</a:t>
             </a:fld>
             <a:endParaRPr lang="pt-BR"/>
           </a:p>
@@ -4687,7 +4687,7 @@
           <a:p>
             <a:fld id="{F6C40BAB-4BBE-487A-B4EA-F7AA89592A7F}" type="datetimeFigureOut">
               <a:rPr lang="pt-BR" smtClean="0"/>
-              <a:t>30/09/2024</a:t>
+              <a:t>01/10/2024</a:t>
             </a:fld>
             <a:endParaRPr lang="pt-BR"/>
           </a:p>
@@ -4800,7 +4800,7 @@
           <a:p>
             <a:fld id="{F6C40BAB-4BBE-487A-B4EA-F7AA89592A7F}" type="datetimeFigureOut">
               <a:rPr lang="pt-BR" smtClean="0"/>
-              <a:t>30/09/2024</a:t>
+              <a:t>01/10/2024</a:t>
             </a:fld>
             <a:endParaRPr lang="pt-BR"/>
           </a:p>
@@ -5111,7 +5111,7 @@
           <a:p>
             <a:fld id="{F6C40BAB-4BBE-487A-B4EA-F7AA89592A7F}" type="datetimeFigureOut">
               <a:rPr lang="pt-BR" smtClean="0"/>
-              <a:t>30/09/2024</a:t>
+              <a:t>01/10/2024</a:t>
             </a:fld>
             <a:endParaRPr lang="pt-BR"/>
           </a:p>
@@ -5399,7 +5399,7 @@
           <a:p>
             <a:fld id="{F6C40BAB-4BBE-487A-B4EA-F7AA89592A7F}" type="datetimeFigureOut">
               <a:rPr lang="pt-BR" smtClean="0"/>
-              <a:t>30/09/2024</a:t>
+              <a:t>01/10/2024</a:t>
             </a:fld>
             <a:endParaRPr lang="pt-BR"/>
           </a:p>
@@ -5640,7 +5640,7 @@
           <a:p>
             <a:fld id="{F6C40BAB-4BBE-487A-B4EA-F7AA89592A7F}" type="datetimeFigureOut">
               <a:rPr lang="pt-BR" smtClean="0"/>
-              <a:t>30/09/2024</a:t>
+              <a:t>01/10/2024</a:t>
             </a:fld>
             <a:endParaRPr lang="pt-BR"/>
           </a:p>
@@ -6399,6 +6399,9 @@
   <p:clrMapOvr>
     <a:masterClrMapping/>
   </p:clrMapOvr>
+  <p:transition spd="slow">
+    <p:push dir="u"/>
+  </p:transition>
 </p:sld>
 </file>
 
@@ -6974,6 +6977,9 @@
   <p:clrMapOvr>
     <a:masterClrMapping/>
   </p:clrMapOvr>
+  <p:transition spd="slow">
+    <p:push dir="u"/>
+  </p:transition>
 </p:sld>
 </file>
 
@@ -7137,6 +7143,9 @@
   <p:clrMapOvr>
     <a:overrideClrMapping bg1="dk1" tx1="lt1" bg2="dk2" tx2="lt2" accent1="accent1" accent2="accent2" accent3="accent3" accent4="accent4" accent5="accent5" accent6="accent6" hlink="hlink" folHlink="folHlink"/>
   </p:clrMapOvr>
+  <p:transition spd="slow">
+    <p:wipe/>
+  </p:transition>
 </p:sld>
 </file>
 
@@ -26557,6 +26566,9 @@
   <p:clrMapOvr>
     <a:masterClrMapping/>
   </p:clrMapOvr>
+  <p:transition spd="slow">
+    <p:push dir="u"/>
+  </p:transition>
 </p:sld>
 </file>
 
@@ -28687,6 +28699,9 @@
   <p:clrMapOvr>
     <a:masterClrMapping/>
   </p:clrMapOvr>
+  <p:transition spd="slow">
+    <p:push dir="u"/>
+  </p:transition>
 </p:sld>
 </file>
 
@@ -29344,6 +29359,9 @@
   <p:clrMapOvr>
     <a:masterClrMapping/>
   </p:clrMapOvr>
+  <p:transition spd="slow">
+    <p:push dir="u"/>
+  </p:transition>
 </p:sld>
 </file>
 
@@ -29797,6 +29815,9 @@
   <p:clrMapOvr>
     <a:masterClrMapping/>
   </p:clrMapOvr>
+  <p:transition spd="slow">
+    <p:push dir="u"/>
+  </p:transition>
 </p:sld>
 </file>
 
